--- a/presentation/SE2_final_v5.pptx
+++ b/presentation/SE2_final_v5.pptx
@@ -6633,11 +6633,11 @@
   <p:clrMapOvr>
     <a:masterClrMapping/>
   </p:clrMapOvr>
-  <mc:AlternateContent xmlns:mc="http://schemas.openxmlformats.org/markup-compatibility/2006">
-    <mc:Choice xmlns:p14="http://schemas.microsoft.com/office/powerpoint/2010/main" Requires="p14">
+  <mc:AlternateContent xmlns:mc="http://schemas.openxmlformats.org/markup-compatibility/2006" xmlns:p14="http://schemas.microsoft.com/office/powerpoint/2010/main">
+    <mc:Choice Requires="p14">
       <p:transition p14:dur="0"/>
     </mc:Choice>
-    <mc:Fallback>
+    <mc:Fallback xmlns="">
       <p:transition/>
     </mc:Fallback>
   </mc:AlternateContent>
@@ -9127,7 +9127,23 @@
                   <a:schemeClr val="tx1"/>
                 </a:solidFill>
               </a:rPr>
-              <a:t>that exclusively employs </a:t>
+              <a:t>that exclusively </a:t>
+            </a:r>
+            <a:r>
+              <a:rPr lang="it-IT" sz="2800" smtClean="0">
+                <a:solidFill>
+                  <a:schemeClr val="tx1"/>
+                </a:solidFill>
+              </a:rPr>
+              <a:t>employs </a:t>
+            </a:r>
+            <a:r>
+              <a:rPr lang="it-IT" sz="2800" b="1" smtClean="0">
+                <a:solidFill>
+                  <a:schemeClr val="tx1"/>
+                </a:solidFill>
+              </a:rPr>
+              <a:t>ELECTRIC </a:t>
             </a:r>
             <a:r>
               <a:rPr lang="it-IT" sz="2800" b="1" dirty="0" smtClean="0">
@@ -9135,7 +9151,7 @@
                   <a:schemeClr val="tx1"/>
                 </a:solidFill>
               </a:rPr>
-              <a:t>ELECTIC CARS</a:t>
+              <a:t>CARS</a:t>
             </a:r>
             <a:r>
               <a:rPr lang="it-IT" sz="2800" dirty="0" smtClean="0">
@@ -9519,15 +9535,7 @@
             </a:r>
             <a:r>
               <a:rPr lang="en-GB" sz="1600" dirty="0" smtClean="0"/>
-              <a:t>simpler (ex: </a:t>
-            </a:r>
-            <a:r>
-              <a:rPr lang="en-GB" sz="1600" dirty="0" smtClean="0"/>
-              <a:t>M</a:t>
-            </a:r>
-            <a:r>
-              <a:rPr lang="en-GB" sz="1600" dirty="0" smtClean="0"/>
-              <a:t>anagement </a:t>
+              <a:t>simpler (ex: Management </a:t>
             </a:r>
             <a:r>
               <a:rPr lang="en-GB" sz="1600" dirty="0"/>
@@ -20840,8 +20848,8 @@
           </a:prstGeom>
         </p:spPr>
       </p:pic>
-      <mc:AlternateContent xmlns:mc="http://schemas.openxmlformats.org/markup-compatibility/2006">
-        <mc:Choice xmlns:a14="http://schemas.microsoft.com/office/drawing/2010/main" Requires="a14">
+      <mc:AlternateContent xmlns:mc="http://schemas.openxmlformats.org/markup-compatibility/2006" xmlns:a14="http://schemas.microsoft.com/office/drawing/2010/main">
+        <mc:Choice Requires="a14">
           <p:sp>
             <p:nvSpPr>
               <p:cNvPr id="5" name="Rectangle 4"/>
@@ -20863,6 +20871,7 @@
               </a:bodyPr>
               <a:lstStyle/>
               <a:p>
+                <a:pPr/>
                 <a14:m>
                   <m:oMathPara xmlns:m="http://schemas.openxmlformats.org/officeDocument/2006/math">
                     <m:oMathParaPr>
@@ -20937,7 +20946,7 @@
             </p:txBody>
           </p:sp>
         </mc:Choice>
-        <mc:Fallback>
+        <mc:Fallback xmlns="">
           <p:sp>
             <p:nvSpPr>
               <p:cNvPr id="5" name="Rectangle 4"/>
@@ -20976,8 +20985,8 @@
           </p:sp>
         </mc:Fallback>
       </mc:AlternateContent>
-      <mc:AlternateContent xmlns:mc="http://schemas.openxmlformats.org/markup-compatibility/2006">
-        <mc:Choice xmlns:a14="http://schemas.microsoft.com/office/drawing/2010/main" Requires="a14">
+      <mc:AlternateContent xmlns:mc="http://schemas.openxmlformats.org/markup-compatibility/2006" xmlns:a14="http://schemas.microsoft.com/office/drawing/2010/main">
+        <mc:Choice Requires="a14">
           <p:sp>
             <p:nvSpPr>
               <p:cNvPr id="6" name="Rectangle 5"/>
@@ -20999,6 +21008,7 @@
               </a:bodyPr>
               <a:lstStyle/>
               <a:p>
+                <a:pPr/>
                 <a14:m>
                   <m:oMathPara xmlns:m="http://schemas.openxmlformats.org/officeDocument/2006/math">
                     <m:oMathParaPr>
@@ -21048,7 +21058,7 @@
             </p:txBody>
           </p:sp>
         </mc:Choice>
-        <mc:Fallback>
+        <mc:Fallback xmlns="">
           <p:sp>
             <p:nvSpPr>
               <p:cNvPr id="6" name="Rectangle 5"/>
@@ -21399,13 +21409,8 @@
           <a:p>
             <a:r>
               <a:rPr lang="it-IT" b="1" dirty="0" smtClean="0"/>
-              <a:t>NO </a:t>
-            </a:r>
-            <a:r>
-              <a:rPr lang="it-IT" b="1" dirty="0" smtClean="0"/>
-              <a:t>INTERNET CONNECTION</a:t>
-            </a:r>
-            <a:endParaRPr lang="it-IT" b="1" dirty="0" smtClean="0"/>
+              <a:t>NO INTERNET CONNECTION</a:t>
+            </a:r>
           </a:p>
         </p:txBody>
       </p:sp>
@@ -21433,17 +21438,8 @@
           <a:p>
             <a:r>
               <a:rPr lang="it-IT" b="1" dirty="0" smtClean="0"/>
-              <a:t>LOSS </a:t>
-            </a:r>
-            <a:r>
-              <a:rPr lang="it-IT" b="1" dirty="0" smtClean="0"/>
-              <a:t>OF </a:t>
-            </a:r>
-            <a:r>
-              <a:rPr lang="it-IT" b="1" dirty="0" smtClean="0"/>
-              <a:t>DATA</a:t>
-            </a:r>
-            <a:endParaRPr lang="it-IT" b="1" dirty="0" smtClean="0"/>
+              <a:t>LOSS OF DATA</a:t>
+            </a:r>
           </a:p>
         </p:txBody>
       </p:sp>
@@ -21473,7 +21469,6 @@
               <a:rPr lang="it-IT" b="1" dirty="0" smtClean="0"/>
               <a:t>NO ELECTRICITY</a:t>
             </a:r>
-            <a:endParaRPr lang="it-IT" b="1" dirty="0" smtClean="0"/>
           </a:p>
         </p:txBody>
       </p:sp>
@@ -21503,7 +21498,6 @@
               <a:rPr lang="it-IT" b="1" dirty="0" smtClean="0"/>
               <a:t>NATURAL EVENTS</a:t>
             </a:r>
-            <a:endParaRPr lang="it-IT" b="1" dirty="0" smtClean="0"/>
           </a:p>
         </p:txBody>
       </p:sp>
@@ -21533,7 +21527,6 @@
               <a:rPr lang="it-IT" b="1" dirty="0" smtClean="0"/>
               <a:t>REACH OFFICE</a:t>
             </a:r>
-            <a:endParaRPr lang="it-IT" b="1" dirty="0" smtClean="0"/>
           </a:p>
         </p:txBody>
       </p:sp>
@@ -21593,7 +21586,6 @@
               <a:rPr lang="it-IT" b="1" dirty="0" smtClean="0"/>
               <a:t>LAW CHANGE</a:t>
             </a:r>
-            <a:endParaRPr lang="it-IT" b="1" dirty="0" smtClean="0"/>
           </a:p>
         </p:txBody>
       </p:sp>
@@ -23932,8 +23924,8 @@
         </p:nvSpPr>
         <p:spPr>
           <a:xfrm>
-            <a:off x="267388" y="2258398"/>
-            <a:ext cx="3616282" cy="3159442"/>
+            <a:off x="290628" y="1844824"/>
+            <a:ext cx="3616282" cy="3419594"/>
           </a:xfrm>
         </p:spPr>
         <p:txBody>
@@ -23946,23 +23938,15 @@
               <a:buNone/>
             </a:pPr>
             <a:r>
-              <a:rPr lang="it-IT" sz="1200" b="1" dirty="0" smtClean="0">
+              <a:rPr lang="it-IT" sz="1400" b="1" dirty="0" smtClean="0">
                 <a:solidFill>
                   <a:schemeClr val="tx1"/>
                 </a:solidFill>
               </a:rPr>
-              <a:t>Entry </a:t>
-            </a:r>
-            <a:r>
-              <a:rPr lang="it-IT" sz="1200" b="1" dirty="0">
-                <a:solidFill>
-                  <a:schemeClr val="tx1"/>
-                </a:solidFill>
-              </a:rPr>
-              <a:t>Conditions</a:t>
-            </a:r>
-            <a:r>
-              <a:rPr lang="it-IT" sz="1200" dirty="0">
+              <a:t>Flow</a:t>
+            </a:r>
+            <a:r>
+              <a:rPr lang="en-GB" sz="1400" b="1" dirty="0" smtClean="0">
                 <a:solidFill>
                   <a:schemeClr val="tx1"/>
                 </a:solidFill>
@@ -23970,40 +23954,14 @@
               <a:t> </a:t>
             </a:r>
             <a:r>
-              <a:rPr lang="en-GB" sz="1200" b="1" dirty="0">
-                <a:solidFill>
-                  <a:srgbClr val="FF0000"/>
-                </a:solidFill>
-              </a:rPr>
-              <a:t>The user has entered the car.</a:t>
-            </a:r>
-            <a:endParaRPr lang="it-IT" sz="1200" b="1" dirty="0">
-              <a:solidFill>
-                <a:srgbClr val="FF0000"/>
-              </a:solidFill>
-            </a:endParaRPr>
-          </a:p>
-          <a:p>
-            <a:pPr marL="0" indent="0">
-              <a:buNone/>
-            </a:pPr>
-            <a:r>
-              <a:rPr lang="it-IT" sz="1200" b="1" dirty="0">
+              <a:rPr lang="en-GB" sz="1400" b="1" dirty="0">
                 <a:solidFill>
                   <a:schemeClr val="tx1"/>
                 </a:solidFill>
               </a:rPr>
-              <a:t>Flow</a:t>
-            </a:r>
-            <a:r>
-              <a:rPr lang="en-GB" sz="1200" b="1" dirty="0">
-                <a:solidFill>
-                  <a:schemeClr val="tx1"/>
-                </a:solidFill>
-              </a:rPr>
-              <a:t> of events</a:t>
-            </a:r>
-            <a:endParaRPr lang="it-IT" sz="1200" dirty="0">
+              <a:t>of events</a:t>
+            </a:r>
+            <a:endParaRPr lang="it-IT" sz="1400" dirty="0">
               <a:solidFill>
                 <a:schemeClr val="tx1"/>
               </a:solidFill>
@@ -24016,14 +23974,14 @@
               </a:lnSpc>
             </a:pPr>
             <a:r>
-              <a:rPr lang="en-GB" sz="1200" dirty="0">
+              <a:rPr lang="en-GB" sz="1400" dirty="0">
                 <a:solidFill>
                   <a:schemeClr val="tx1"/>
                 </a:solidFill>
               </a:rPr>
               <a:t>The system asks the user for the final destination.</a:t>
             </a:r>
-            <a:endParaRPr lang="it-IT" sz="1200" dirty="0">
+            <a:endParaRPr lang="it-IT" sz="1400" dirty="0">
               <a:solidFill>
                 <a:schemeClr val="tx1"/>
               </a:solidFill>
@@ -24036,14 +23994,14 @@
               </a:lnSpc>
             </a:pPr>
             <a:r>
-              <a:rPr lang="en-GB" sz="1200" dirty="0">
+              <a:rPr lang="en-GB" sz="1400" dirty="0">
                 <a:solidFill>
                   <a:schemeClr val="tx1"/>
                 </a:solidFill>
               </a:rPr>
               <a:t>The user enters the address.</a:t>
             </a:r>
-            <a:endParaRPr lang="it-IT" sz="1200" dirty="0">
+            <a:endParaRPr lang="it-IT" sz="1400" dirty="0">
               <a:solidFill>
                 <a:schemeClr val="tx1"/>
               </a:solidFill>
@@ -24056,7 +24014,7 @@
               </a:lnSpc>
             </a:pPr>
             <a:r>
-              <a:rPr lang="en-GB" sz="1200" dirty="0">
+              <a:rPr lang="en-GB" sz="1400" dirty="0">
                 <a:solidFill>
                   <a:schemeClr val="tx1"/>
                 </a:solidFill>
@@ -24064,7 +24022,7 @@
               <a:t>The system checks entered address and looks for free power plugs in close stations</a:t>
             </a:r>
             <a:r>
-              <a:rPr lang="it-IT" sz="1200" dirty="0">
+              <a:rPr lang="it-IT" sz="1400" dirty="0">
                 <a:solidFill>
                   <a:schemeClr val="tx1"/>
                 </a:solidFill>
@@ -24079,14 +24037,14 @@
               </a:lnSpc>
             </a:pPr>
             <a:r>
-              <a:rPr lang="en-GB" sz="1200" dirty="0">
+              <a:rPr lang="en-GB" sz="1400" dirty="0">
                 <a:solidFill>
                   <a:schemeClr val="tx1"/>
                 </a:solidFill>
               </a:rPr>
               <a:t>The system shows the result to the user asking for confirmation.</a:t>
             </a:r>
-            <a:endParaRPr lang="it-IT" sz="1200" dirty="0">
+            <a:endParaRPr lang="it-IT" sz="1400" dirty="0">
               <a:solidFill>
                 <a:schemeClr val="tx1"/>
               </a:solidFill>
@@ -24099,14 +24057,14 @@
               </a:lnSpc>
             </a:pPr>
             <a:r>
-              <a:rPr lang="en-GB" sz="1200" dirty="0">
+              <a:rPr lang="en-GB" sz="1400" dirty="0">
                 <a:solidFill>
                   <a:schemeClr val="tx1"/>
                 </a:solidFill>
               </a:rPr>
               <a:t>The user accepts to park in the station selected by the system.</a:t>
             </a:r>
-            <a:endParaRPr lang="it-IT" sz="1200" dirty="0">
+            <a:endParaRPr lang="it-IT" sz="1400" dirty="0">
               <a:solidFill>
                 <a:schemeClr val="tx1"/>
               </a:solidFill>
@@ -24119,14 +24077,14 @@
               </a:lnSpc>
             </a:pPr>
             <a:r>
-              <a:rPr lang="en-GB" sz="1200" dirty="0">
+              <a:rPr lang="en-GB" sz="1400" dirty="0">
                 <a:solidFill>
                   <a:schemeClr val="tx1"/>
                 </a:solidFill>
               </a:rPr>
               <a:t>The system reserves the free power plug.</a:t>
             </a:r>
-            <a:endParaRPr lang="it-IT" sz="1200" dirty="0">
+            <a:endParaRPr lang="it-IT" sz="1400" dirty="0">
               <a:solidFill>
                 <a:schemeClr val="tx1"/>
               </a:solidFill>
@@ -24139,7 +24097,7 @@
               </a:lnSpc>
             </a:pPr>
             <a:r>
-              <a:rPr lang="en-GB" sz="1200" dirty="0">
+              <a:rPr lang="en-GB" sz="1400" dirty="0">
                 <a:solidFill>
                   <a:schemeClr val="tx1"/>
                 </a:solidFill>
@@ -24147,14 +24105,14 @@
               <a:t>The system provides the address and number of the slot reserved for the power supply</a:t>
             </a:r>
             <a:r>
-              <a:rPr lang="en-GB" sz="1200" dirty="0" smtClean="0">
+              <a:rPr lang="en-GB" sz="1400" dirty="0" smtClean="0">
                 <a:solidFill>
                   <a:schemeClr val="tx1"/>
                 </a:solidFill>
               </a:rPr>
               <a:t>.</a:t>
             </a:r>
-            <a:endParaRPr lang="it-IT" sz="1200" dirty="0">
+            <a:endParaRPr lang="it-IT" sz="1400" dirty="0">
               <a:solidFill>
                 <a:schemeClr val="tx1"/>
               </a:solidFill>
